--- a/Proxy/Presentation/dynamicLogger.pptx
+++ b/Proxy/Presentation/dynamicLogger.pptx
@@ -14087,6 +14087,18 @@
           </a:p>
           <a:p>
             <a:r>
+              <a:rPr lang="en-US" b="0" i="0" dirty="0">
+                <a:solidFill>
+                  <a:srgbClr val="292929"/>
+                </a:solidFill>
+                <a:effectLst/>
+                <a:latin typeface="charter"/>
+              </a:rPr>
+              <a:t>In duck typing, one is concerned with just those aspects of an object that are used, rather than with the type of the object itself</a:t>
+            </a:r>
+          </a:p>
+          <a:p>
+            <a:r>
               <a:rPr lang="en-US" dirty="0">
                 <a:solidFill>
                   <a:srgbClr val="292929"/>
@@ -14102,7 +14114,7 @@
                 </a:solidFill>
                 <a:latin typeface="charter"/>
               </a:rPr>
-              <a:t>structural similarity</a:t>
+              <a:t>structural similarity </a:t>
             </a:r>
             <a:r>
               <a:rPr lang="en-US" dirty="0">
@@ -14111,9 +14123,14 @@
                 </a:solidFill>
                 <a:latin typeface="charter"/>
               </a:rPr>
-              <a:t>, not their names</a:t>
-            </a:r>
-            <a:endParaRPr lang="en-US" dirty="0"/>
+              <a:t>(what it does vs what it is)</a:t>
+            </a:r>
+            <a:endParaRPr lang="en-US" b="1" dirty="0">
+              <a:solidFill>
+                <a:srgbClr val="292929"/>
+              </a:solidFill>
+              <a:latin typeface="charter"/>
+            </a:endParaRPr>
           </a:p>
         </p:txBody>
       </p:sp>
